--- a/Paython Analysis project.pptx
+++ b/Paython Analysis project.pptx
@@ -18128,7 +18128,7 @@
             <a:tbl>
               <a:tblPr firstRow="1">
                 <a:noFill/>
-                <a:tableStyleId>{2A7048EA-1CB2-4164-99F4-B59584964658}</a:tableStyleId>
+                <a:tableStyleId>{37C5B292-2FE4-49E3-996B-5B8D1CB262A4}</a:tableStyleId>
               </a:tblPr>
               <a:tblGrid>
                 <a:gridCol w="1242250"/>
@@ -23352,7 +23352,7 @@
             </a:pPr>
             <a:r>
               <a:rPr lang="en-US"/>
-              <a:t>Data Engineering – Left with X features</a:t>
+              <a:t>Data Engineering </a:t>
             </a:r>
             <a:endParaRPr/>
           </a:p>
@@ -23383,34 +23383,20 @@
           </a:bodyPr>
           <a:lstStyle/>
           <a:p>
-            <a:pPr indent="-247650" lvl="0" marL="285750" marR="0" rtl="0" algn="l">
-              <a:lnSpc>
-                <a:spcPct val="100000"/>
-              </a:lnSpc>
-              <a:spcBef>
-                <a:spcPts val="0"/>
-              </a:spcBef>
-              <a:spcAft>
-                <a:spcPts val="0"/>
-              </a:spcAft>
-              <a:buClr>
-                <a:schemeClr val="dk1"/>
-              </a:buClr>
-              <a:buSzPts val="1200"/>
-              <a:buFont typeface="Arial"/>
-              <a:buChar char="•"/>
+            <a:pPr indent="0" lvl="0" marL="0" marR="0" rtl="0" algn="l">
+              <a:lnSpc>
+                <a:spcPct val="100000"/>
+              </a:lnSpc>
+              <a:spcBef>
+                <a:spcPts val="0"/>
+              </a:spcBef>
+              <a:spcAft>
+                <a:spcPts val="0"/>
+              </a:spcAft>
+              <a:buNone/>
             </a:pPr>
             <a:r>
-              <a:rPr b="0" i="0" lang="en-US" sz="1200" u="none" cap="none" strike="noStrike">
-                <a:solidFill>
-                  <a:schemeClr val="dk1"/>
-                </a:solidFill>
-                <a:latin typeface="Century Gothic"/>
-                <a:ea typeface="Century Gothic"/>
-                <a:cs typeface="Century Gothic"/>
-                <a:sym typeface="Century Gothic"/>
-              </a:rPr>
-              <a:t>Removed the following features:</a:t>
+              <a:t/>
             </a:r>
             <a:endParaRPr b="0" i="0" sz="1200" u="none" cap="none" strike="noStrike">
               <a:solidFill>
@@ -24900,7 +24886,7 @@
             <a:tbl>
               <a:tblPr firstRow="1">
                 <a:noFill/>
-                <a:tableStyleId>{A20A0E84-29CF-46CE-A9DA-7B51954CE2B5}</a:tableStyleId>
+                <a:tableStyleId>{991A79F7-9C26-4F2E-BFAA-E9F859C104A5}</a:tableStyleId>
               </a:tblPr>
               <a:tblGrid>
                 <a:gridCol w="3878575"/>
